--- a/dev.pptx
+++ b/dev.pptx
@@ -104,6 +104,11 @@
       </a:defRPr>
     </a:lvl9pPr>
   </p:defaultTextStyle>
+  <p:extLst>
+    <p:ext uri="{EFAFB233-063F-42B5-8137-9DF3F51BA10A}">
+      <p15:sldGuideLst xmlns:p15="http://schemas.microsoft.com/office/powerpoint/2012/main"/>
+    </p:ext>
+  </p:extLst>
 </p:presentation>
 </file>
 
@@ -256,7 +261,7 @@
           <a:p>
             <a:fld id="{6C7774EA-2FAC-4772-B11C-C635D087D2AA}" type="datetimeFigureOut">
               <a:rPr lang="en-NZ" smtClean="0"/>
-              <a:t>26/10/2022</a:t>
+              <a:t>8/11/2022</a:t>
             </a:fld>
             <a:endParaRPr lang="en-NZ"/>
           </a:p>
@@ -456,7 +461,7 @@
           <a:p>
             <a:fld id="{6C7774EA-2FAC-4772-B11C-C635D087D2AA}" type="datetimeFigureOut">
               <a:rPr lang="en-NZ" smtClean="0"/>
-              <a:t>26/10/2022</a:t>
+              <a:t>8/11/2022</a:t>
             </a:fld>
             <a:endParaRPr lang="en-NZ"/>
           </a:p>
@@ -666,7 +671,7 @@
           <a:p>
             <a:fld id="{6C7774EA-2FAC-4772-B11C-C635D087D2AA}" type="datetimeFigureOut">
               <a:rPr lang="en-NZ" smtClean="0"/>
-              <a:t>26/10/2022</a:t>
+              <a:t>8/11/2022</a:t>
             </a:fld>
             <a:endParaRPr lang="en-NZ"/>
           </a:p>
@@ -866,7 +871,7 @@
           <a:p>
             <a:fld id="{6C7774EA-2FAC-4772-B11C-C635D087D2AA}" type="datetimeFigureOut">
               <a:rPr lang="en-NZ" smtClean="0"/>
-              <a:t>26/10/2022</a:t>
+              <a:t>8/11/2022</a:t>
             </a:fld>
             <a:endParaRPr lang="en-NZ"/>
           </a:p>
@@ -1142,7 +1147,7 @@
           <a:p>
             <a:fld id="{6C7774EA-2FAC-4772-B11C-C635D087D2AA}" type="datetimeFigureOut">
               <a:rPr lang="en-NZ" smtClean="0"/>
-              <a:t>26/10/2022</a:t>
+              <a:t>8/11/2022</a:t>
             </a:fld>
             <a:endParaRPr lang="en-NZ"/>
           </a:p>
@@ -1410,7 +1415,7 @@
           <a:p>
             <a:fld id="{6C7774EA-2FAC-4772-B11C-C635D087D2AA}" type="datetimeFigureOut">
               <a:rPr lang="en-NZ" smtClean="0"/>
-              <a:t>26/10/2022</a:t>
+              <a:t>8/11/2022</a:t>
             </a:fld>
             <a:endParaRPr lang="en-NZ"/>
           </a:p>
@@ -1825,7 +1830,7 @@
           <a:p>
             <a:fld id="{6C7774EA-2FAC-4772-B11C-C635D087D2AA}" type="datetimeFigureOut">
               <a:rPr lang="en-NZ" smtClean="0"/>
-              <a:t>26/10/2022</a:t>
+              <a:t>8/11/2022</a:t>
             </a:fld>
             <a:endParaRPr lang="en-NZ"/>
           </a:p>
@@ -1967,7 +1972,7 @@
           <a:p>
             <a:fld id="{6C7774EA-2FAC-4772-B11C-C635D087D2AA}" type="datetimeFigureOut">
               <a:rPr lang="en-NZ" smtClean="0"/>
-              <a:t>26/10/2022</a:t>
+              <a:t>8/11/2022</a:t>
             </a:fld>
             <a:endParaRPr lang="en-NZ"/>
           </a:p>
@@ -2080,7 +2085,7 @@
           <a:p>
             <a:fld id="{6C7774EA-2FAC-4772-B11C-C635D087D2AA}" type="datetimeFigureOut">
               <a:rPr lang="en-NZ" smtClean="0"/>
-              <a:t>26/10/2022</a:t>
+              <a:t>8/11/2022</a:t>
             </a:fld>
             <a:endParaRPr lang="en-NZ"/>
           </a:p>
@@ -2393,7 +2398,7 @@
           <a:p>
             <a:fld id="{6C7774EA-2FAC-4772-B11C-C635D087D2AA}" type="datetimeFigureOut">
               <a:rPr lang="en-NZ" smtClean="0"/>
-              <a:t>26/10/2022</a:t>
+              <a:t>8/11/2022</a:t>
             </a:fld>
             <a:endParaRPr lang="en-NZ"/>
           </a:p>
@@ -2682,7 +2687,7 @@
           <a:p>
             <a:fld id="{6C7774EA-2FAC-4772-B11C-C635D087D2AA}" type="datetimeFigureOut">
               <a:rPr lang="en-NZ" smtClean="0"/>
-              <a:t>26/10/2022</a:t>
+              <a:t>8/11/2022</a:t>
             </a:fld>
             <a:endParaRPr lang="en-NZ"/>
           </a:p>
@@ -2925,7 +2930,7 @@
           <a:p>
             <a:fld id="{6C7774EA-2FAC-4772-B11C-C635D087D2AA}" type="datetimeFigureOut">
               <a:rPr lang="en-NZ" smtClean="0"/>
-              <a:t>26/10/2022</a:t>
+              <a:t>8/11/2022</a:t>
             </a:fld>
             <a:endParaRPr lang="en-NZ"/>
           </a:p>
@@ -3344,10 +3349,10 @@
       </p:grpSpPr>
       <p:pic>
         <p:nvPicPr>
-          <p:cNvPr id="5" name="Picture 4">
-            <a:extLst>
-              <a:ext uri="{FF2B5EF4-FFF2-40B4-BE49-F238E27FC236}">
-                <a16:creationId xmlns:a16="http://schemas.microsoft.com/office/drawing/2014/main" id="{3F9ECDDD-8C51-06A6-87EB-EFA5A1F4A0B9}"/>
+          <p:cNvPr id="3" name="Picture 2">
+            <a:extLst>
+              <a:ext uri="{FF2B5EF4-FFF2-40B4-BE49-F238E27FC236}">
+                <a16:creationId xmlns:a16="http://schemas.microsoft.com/office/drawing/2014/main" id="{1293E4B3-9AE4-D94B-77C2-4C983A94EF15}"/>
               </a:ext>
             </a:extLst>
           </p:cNvPr>
@@ -3364,8 +3369,8 @@
         </p:blipFill>
         <p:spPr>
           <a:xfrm>
-            <a:off x="6480461" y="466512"/>
-            <a:ext cx="5437219" cy="6086901"/>
+            <a:off x="352806" y="340995"/>
+            <a:ext cx="5219700" cy="5810250"/>
           </a:xfrm>
           <a:prstGeom prst="rect">
             <a:avLst/>
